--- a/20161025_StartOfEngineering.pptx
+++ b/20161025_StartOfEngineering.pptx
@@ -129,6 +129,11 @@
       </a:defRPr>
     </a:lvl9pPr>
   </p:defaultTextStyle>
+  <p:extLst>
+    <p:ext uri="{EFAFB233-063F-42B5-8137-9DF3F51BA10A}">
+      <p15:sldGuideLst xmlns:p15="http://schemas.microsoft.com/office/powerpoint/2012/main"/>
+    </p:ext>
+  </p:extLst>
 </p:presentation>
 </file>
 
@@ -177,7 +182,6 @@
               <a:rPr lang="en-US"/>
               <a:t>Click to edit Master title style</a:t>
             </a:r>
-            <a:endParaRPr lang="en-US"/>
           </a:p>
         </p:txBody>
       </p:sp>
@@ -242,7 +246,6 @@
               <a:rPr lang="en-US"/>
               <a:t>Click to edit Master subtitle style</a:t>
             </a:r>
-            <a:endParaRPr lang="en-US"/>
           </a:p>
         </p:txBody>
       </p:sp>
@@ -360,7 +363,6 @@
               <a:rPr lang="en-US"/>
               <a:t>Click to edit Master title style</a:t>
             </a:r>
-            <a:endParaRPr lang="en-US"/>
           </a:p>
         </p:txBody>
       </p:sp>
@@ -412,7 +414,6 @@
               <a:rPr lang="en-US"/>
               <a:t>Fifth level</a:t>
             </a:r>
-            <a:endParaRPr lang="en-US"/>
           </a:p>
         </p:txBody>
       </p:sp>
@@ -535,7 +536,6 @@
               <a:rPr lang="en-US"/>
               <a:t>Click to edit Master title style</a:t>
             </a:r>
-            <a:endParaRPr lang="en-US"/>
           </a:p>
         </p:txBody>
       </p:sp>
@@ -592,7 +592,6 @@
               <a:rPr lang="en-US"/>
               <a:t>Fifth level</a:t>
             </a:r>
-            <a:endParaRPr lang="en-US"/>
           </a:p>
         </p:txBody>
       </p:sp>
@@ -710,7 +709,6 @@
               <a:rPr lang="en-US"/>
               <a:t>Click to edit Master title style</a:t>
             </a:r>
-            <a:endParaRPr lang="en-US"/>
           </a:p>
         </p:txBody>
       </p:sp>
@@ -762,7 +760,6 @@
               <a:rPr lang="en-US"/>
               <a:t>Fifth level</a:t>
             </a:r>
-            <a:endParaRPr lang="en-US"/>
           </a:p>
         </p:txBody>
       </p:sp>
@@ -889,7 +886,6 @@
               <a:rPr lang="en-US"/>
               <a:t>Click to edit Master title style</a:t>
             </a:r>
-            <a:endParaRPr lang="en-US"/>
           </a:p>
         </p:txBody>
       </p:sp>
@@ -1126,7 +1122,6 @@
               <a:rPr lang="en-US"/>
               <a:t>Click to edit Master title style</a:t>
             </a:r>
-            <a:endParaRPr lang="en-US"/>
           </a:p>
         </p:txBody>
       </p:sp>
@@ -1183,7 +1178,6 @@
               <a:rPr lang="en-US"/>
               <a:t>Fifth level</a:t>
             </a:r>
-            <a:endParaRPr lang="en-US"/>
           </a:p>
         </p:txBody>
       </p:sp>
@@ -1240,7 +1234,6 @@
               <a:rPr lang="en-US"/>
               <a:t>Fifth level</a:t>
             </a:r>
-            <a:endParaRPr lang="en-US"/>
           </a:p>
         </p:txBody>
       </p:sp>
@@ -1363,7 +1356,6 @@
               <a:rPr lang="en-US"/>
               <a:t>Click to edit Master title style</a:t>
             </a:r>
-            <a:endParaRPr lang="en-US"/>
           </a:p>
         </p:txBody>
       </p:sp>
@@ -1485,7 +1477,6 @@
               <a:rPr lang="en-US"/>
               <a:t>Fifth level</a:t>
             </a:r>
-            <a:endParaRPr lang="en-US"/>
           </a:p>
         </p:txBody>
       </p:sp>
@@ -1607,7 +1598,6 @@
               <a:rPr lang="en-US"/>
               <a:t>Fifth level</a:t>
             </a:r>
-            <a:endParaRPr lang="en-US"/>
           </a:p>
         </p:txBody>
       </p:sp>
@@ -1725,7 +1715,6 @@
               <a:rPr lang="en-US"/>
               <a:t>Click to edit Master title style</a:t>
             </a:r>
-            <a:endParaRPr lang="en-US"/>
           </a:p>
         </p:txBody>
       </p:sp>
@@ -1947,7 +1936,6 @@
               <a:rPr lang="en-US"/>
               <a:t>Click to edit Master title style</a:t>
             </a:r>
-            <a:endParaRPr lang="en-US"/>
           </a:p>
         </p:txBody>
       </p:sp>
@@ -2032,7 +2020,6 @@
               <a:rPr lang="en-US"/>
               <a:t>Fifth level</a:t>
             </a:r>
-            <a:endParaRPr lang="en-US"/>
           </a:p>
         </p:txBody>
       </p:sp>
@@ -2224,7 +2211,6 @@
               <a:rPr lang="en-US"/>
               <a:t>Click to edit Master title style</a:t>
             </a:r>
-            <a:endParaRPr lang="en-US"/>
           </a:p>
         </p:txBody>
       </p:sp>
@@ -2483,7 +2469,6 @@
               <a:rPr lang="en-US"/>
               <a:t>Click to edit Master title style</a:t>
             </a:r>
-            <a:endParaRPr lang="en-US"/>
           </a:p>
         </p:txBody>
       </p:sp>
@@ -2545,7 +2530,6 @@
               <a:rPr lang="en-US"/>
               <a:t>Fifth level</a:t>
             </a:r>
-            <a:endParaRPr lang="en-US"/>
           </a:p>
         </p:txBody>
       </p:sp>
@@ -3026,7 +3010,10 @@
           <a:bodyPr/>
           <a:lstStyle/>
           <a:p>
-            <a:endParaRPr lang="en-US"/>
+            <a:r>
+              <a:rPr lang="en-US"/>
+              <a:t>Aaron Schaefer</a:t>
+            </a:r>
           </a:p>
         </p:txBody>
       </p:sp>
@@ -3472,7 +3459,6 @@
               <a:rPr lang="en-US" sz="3200" dirty="0"/>
               <a:t>“To my understanding this was not a corporate decision, this was something individuals did,” Horn said, adding that he felt personally deceived.</a:t>
             </a:r>
-            <a:endParaRPr lang="en-US" sz="3200" dirty="0"/>
           </a:p>
         </p:txBody>
       </p:sp>
